--- a/exp/図形たち.pptx
+++ b/exp/図形たち.pptx
@@ -4887,6 +4887,311 @@
           </a:p>
         </p:txBody>
       </p:sp>
+      <p:sp>
+        <p:nvSpPr>
+          <p:cNvPr id="16" name="円/楕円 15">
+            <a:extLst>
+              <a:ext uri="{FF2B5EF4-FFF2-40B4-BE49-F238E27FC236}">
+                <a16:creationId xmlns:a16="http://schemas.microsoft.com/office/drawing/2014/main" id="{3FD3AC7C-F21C-CA79-9FFC-7B3CBF939CB1}"/>
+              </a:ext>
+            </a:extLst>
+          </p:cNvPr>
+          <p:cNvSpPr>
+            <a:spLocks noChangeAspect="1"/>
+          </p:cNvSpPr>
+          <p:nvPr/>
+        </p:nvSpPr>
+        <p:spPr>
+          <a:xfrm>
+            <a:off x="195506" y="5124400"/>
+            <a:ext cx="720000" cy="720000"/>
+          </a:xfrm>
+          <a:prstGeom prst="ellipse">
+            <a:avLst/>
+          </a:prstGeom>
+          <a:pattFill prst="lgCheck">
+            <a:fgClr>
+              <a:schemeClr val="tx1"/>
+            </a:fgClr>
+            <a:bgClr>
+              <a:schemeClr val="bg1"/>
+            </a:bgClr>
+          </a:pattFill>
+          <a:ln w="76200">
+            <a:solidFill>
+              <a:srgbClr val="E69F00"/>
+            </a:solidFill>
+          </a:ln>
+        </p:spPr>
+        <p:style>
+          <a:lnRef idx="2">
+            <a:schemeClr val="accent1">
+              <a:shade val="15000"/>
+            </a:schemeClr>
+          </a:lnRef>
+          <a:fillRef idx="1">
+            <a:schemeClr val="accent1"/>
+          </a:fillRef>
+          <a:effectRef idx="0">
+            <a:schemeClr val="accent1"/>
+          </a:effectRef>
+          <a:fontRef idx="minor">
+            <a:schemeClr val="lt1"/>
+          </a:fontRef>
+        </p:style>
+        <p:txBody>
+          <a:bodyPr rtlCol="0" anchor="ctr"/>
+          <a:lstStyle/>
+          <a:p>
+            <a:pPr algn="ctr"/>
+            <a:endParaRPr kumimoji="1" lang="ja-JP" altLang="en-US"/>
+          </a:p>
+        </p:txBody>
+      </p:sp>
+      <p:sp>
+        <p:nvSpPr>
+          <p:cNvPr id="17" name="三角形 16">
+            <a:extLst>
+              <a:ext uri="{FF2B5EF4-FFF2-40B4-BE49-F238E27FC236}">
+                <a16:creationId xmlns:a16="http://schemas.microsoft.com/office/drawing/2014/main" id="{94989B80-8D91-2898-EEBB-B10DE1809D48}"/>
+              </a:ext>
+            </a:extLst>
+          </p:cNvPr>
+          <p:cNvSpPr>
+            <a:spLocks noChangeAspect="1"/>
+          </p:cNvSpPr>
+          <p:nvPr/>
+        </p:nvSpPr>
+        <p:spPr>
+          <a:xfrm>
+            <a:off x="1219509" y="5124400"/>
+            <a:ext cx="835200" cy="720000"/>
+          </a:xfrm>
+          <a:prstGeom prst="triangle">
+            <a:avLst/>
+          </a:prstGeom>
+          <a:pattFill prst="lgCheck">
+            <a:fgClr>
+              <a:schemeClr val="tx1"/>
+            </a:fgClr>
+            <a:bgClr>
+              <a:schemeClr val="bg1"/>
+            </a:bgClr>
+          </a:pattFill>
+          <a:ln w="76200">
+            <a:solidFill>
+              <a:srgbClr val="E69F00"/>
+            </a:solidFill>
+          </a:ln>
+        </p:spPr>
+        <p:style>
+          <a:lnRef idx="2">
+            <a:schemeClr val="accent1">
+              <a:shade val="15000"/>
+            </a:schemeClr>
+          </a:lnRef>
+          <a:fillRef idx="1">
+            <a:schemeClr val="accent1"/>
+          </a:fillRef>
+          <a:effectRef idx="0">
+            <a:schemeClr val="accent1"/>
+          </a:effectRef>
+          <a:fontRef idx="minor">
+            <a:schemeClr val="lt1"/>
+          </a:fontRef>
+        </p:style>
+        <p:txBody>
+          <a:bodyPr rtlCol="0" anchor="ctr"/>
+          <a:lstStyle/>
+          <a:p>
+            <a:pPr algn="ctr"/>
+            <a:endParaRPr kumimoji="1" lang="ja-JP" altLang="en-US"/>
+          </a:p>
+        </p:txBody>
+      </p:sp>
+      <p:sp>
+        <p:nvSpPr>
+          <p:cNvPr id="18" name="正方形/長方形 17">
+            <a:extLst>
+              <a:ext uri="{FF2B5EF4-FFF2-40B4-BE49-F238E27FC236}">
+                <a16:creationId xmlns:a16="http://schemas.microsoft.com/office/drawing/2014/main" id="{C0311C74-0F07-7438-1695-00D3A2038AC4}"/>
+              </a:ext>
+            </a:extLst>
+          </p:cNvPr>
+          <p:cNvSpPr>
+            <a:spLocks noChangeAspect="1"/>
+          </p:cNvSpPr>
+          <p:nvPr/>
+        </p:nvSpPr>
+        <p:spPr>
+          <a:xfrm>
+            <a:off x="2358712" y="5124400"/>
+            <a:ext cx="720000" cy="720000"/>
+          </a:xfrm>
+          <a:prstGeom prst="rect">
+            <a:avLst/>
+          </a:prstGeom>
+          <a:pattFill prst="lgCheck">
+            <a:fgClr>
+              <a:schemeClr val="tx1"/>
+            </a:fgClr>
+            <a:bgClr>
+              <a:schemeClr val="bg1"/>
+            </a:bgClr>
+          </a:pattFill>
+          <a:ln w="76200">
+            <a:solidFill>
+              <a:srgbClr val="E69F00"/>
+            </a:solidFill>
+          </a:ln>
+        </p:spPr>
+        <p:style>
+          <a:lnRef idx="2">
+            <a:schemeClr val="accent1">
+              <a:shade val="15000"/>
+            </a:schemeClr>
+          </a:lnRef>
+          <a:fillRef idx="1">
+            <a:schemeClr val="accent1"/>
+          </a:fillRef>
+          <a:effectRef idx="0">
+            <a:schemeClr val="accent1"/>
+          </a:effectRef>
+          <a:fontRef idx="minor">
+            <a:schemeClr val="lt1"/>
+          </a:fontRef>
+        </p:style>
+        <p:txBody>
+          <a:bodyPr rtlCol="0" anchor="ctr"/>
+          <a:lstStyle/>
+          <a:p>
+            <a:pPr algn="ctr"/>
+            <a:endParaRPr kumimoji="1" lang="ja-JP" altLang="en-US"/>
+          </a:p>
+        </p:txBody>
+      </p:sp>
+      <p:sp>
+        <p:nvSpPr>
+          <p:cNvPr id="19" name="六角形 18">
+            <a:extLst>
+              <a:ext uri="{FF2B5EF4-FFF2-40B4-BE49-F238E27FC236}">
+                <a16:creationId xmlns:a16="http://schemas.microsoft.com/office/drawing/2014/main" id="{F1B60339-479F-A3CE-7E23-6A99D548EBFA}"/>
+              </a:ext>
+            </a:extLst>
+          </p:cNvPr>
+          <p:cNvSpPr>
+            <a:spLocks noChangeAspect="1"/>
+          </p:cNvSpPr>
+          <p:nvPr/>
+        </p:nvSpPr>
+        <p:spPr>
+          <a:xfrm>
+            <a:off x="3382715" y="5128438"/>
+            <a:ext cx="835200" cy="720000"/>
+          </a:xfrm>
+          <a:prstGeom prst="hexagon">
+            <a:avLst/>
+          </a:prstGeom>
+          <a:pattFill prst="lgCheck">
+            <a:fgClr>
+              <a:schemeClr val="tx1"/>
+            </a:fgClr>
+            <a:bgClr>
+              <a:schemeClr val="bg1"/>
+            </a:bgClr>
+          </a:pattFill>
+          <a:ln w="76200">
+            <a:solidFill>
+              <a:srgbClr val="E69F00"/>
+            </a:solidFill>
+          </a:ln>
+        </p:spPr>
+        <p:style>
+          <a:lnRef idx="2">
+            <a:schemeClr val="accent1">
+              <a:shade val="15000"/>
+            </a:schemeClr>
+          </a:lnRef>
+          <a:fillRef idx="1">
+            <a:schemeClr val="accent1"/>
+          </a:fillRef>
+          <a:effectRef idx="0">
+            <a:schemeClr val="accent1"/>
+          </a:effectRef>
+          <a:fontRef idx="minor">
+            <a:schemeClr val="lt1"/>
+          </a:fontRef>
+        </p:style>
+        <p:txBody>
+          <a:bodyPr rtlCol="0" anchor="ctr"/>
+          <a:lstStyle/>
+          <a:p>
+            <a:pPr algn="ctr"/>
+            <a:endParaRPr kumimoji="1" lang="ja-JP" altLang="en-US"/>
+          </a:p>
+        </p:txBody>
+      </p:sp>
+      <p:sp>
+        <p:nvSpPr>
+          <p:cNvPr id="20" name="五角形 19">
+            <a:extLst>
+              <a:ext uri="{FF2B5EF4-FFF2-40B4-BE49-F238E27FC236}">
+                <a16:creationId xmlns:a16="http://schemas.microsoft.com/office/drawing/2014/main" id="{1B01A15A-D37C-C5A8-285F-677A03BD3FB3}"/>
+              </a:ext>
+            </a:extLst>
+          </p:cNvPr>
+          <p:cNvSpPr>
+            <a:spLocks noChangeAspect="1"/>
+          </p:cNvSpPr>
+          <p:nvPr/>
+        </p:nvSpPr>
+        <p:spPr>
+          <a:xfrm>
+            <a:off x="4551835" y="5124400"/>
+            <a:ext cx="756000" cy="720000"/>
+          </a:xfrm>
+          <a:prstGeom prst="pentagon">
+            <a:avLst/>
+          </a:prstGeom>
+          <a:pattFill prst="lgCheck">
+            <a:fgClr>
+              <a:schemeClr val="tx1"/>
+            </a:fgClr>
+            <a:bgClr>
+              <a:schemeClr val="bg1"/>
+            </a:bgClr>
+          </a:pattFill>
+          <a:ln w="76200">
+            <a:solidFill>
+              <a:srgbClr val="E69F00"/>
+            </a:solidFill>
+          </a:ln>
+        </p:spPr>
+        <p:style>
+          <a:lnRef idx="2">
+            <a:schemeClr val="accent1">
+              <a:shade val="15000"/>
+            </a:schemeClr>
+          </a:lnRef>
+          <a:fillRef idx="1">
+            <a:schemeClr val="accent1"/>
+          </a:fillRef>
+          <a:effectRef idx="0">
+            <a:schemeClr val="accent1"/>
+          </a:effectRef>
+          <a:fontRef idx="minor">
+            <a:schemeClr val="lt1"/>
+          </a:fontRef>
+        </p:style>
+        <p:txBody>
+          <a:bodyPr rtlCol="0" anchor="ctr"/>
+          <a:lstStyle/>
+          <a:p>
+            <a:pPr algn="ctr"/>
+            <a:endParaRPr kumimoji="1" lang="ja-JP" altLang="en-US"/>
+          </a:p>
+        </p:txBody>
+      </p:sp>
     </p:spTree>
     <p:extLst>
       <p:ext uri="{BB962C8B-B14F-4D97-AF65-F5344CB8AC3E}">
@@ -6217,6 +6522,311 @@
           </a:p>
         </p:txBody>
       </p:sp>
+      <p:sp>
+        <p:nvSpPr>
+          <p:cNvPr id="16" name="円/楕円 15">
+            <a:extLst>
+              <a:ext uri="{FF2B5EF4-FFF2-40B4-BE49-F238E27FC236}">
+                <a16:creationId xmlns:a16="http://schemas.microsoft.com/office/drawing/2014/main" id="{6B3FB7DF-AE5C-AA02-FC61-DABC57E647DC}"/>
+              </a:ext>
+            </a:extLst>
+          </p:cNvPr>
+          <p:cNvSpPr>
+            <a:spLocks noChangeAspect="1"/>
+          </p:cNvSpPr>
+          <p:nvPr/>
+        </p:nvSpPr>
+        <p:spPr>
+          <a:xfrm>
+            <a:off x="195506" y="5124400"/>
+            <a:ext cx="720000" cy="720000"/>
+          </a:xfrm>
+          <a:prstGeom prst="ellipse">
+            <a:avLst/>
+          </a:prstGeom>
+          <a:pattFill prst="lgCheck">
+            <a:fgClr>
+              <a:schemeClr val="tx1"/>
+            </a:fgClr>
+            <a:bgClr>
+              <a:schemeClr val="bg1"/>
+            </a:bgClr>
+          </a:pattFill>
+          <a:ln w="76200">
+            <a:solidFill>
+              <a:srgbClr val="009E73"/>
+            </a:solidFill>
+          </a:ln>
+        </p:spPr>
+        <p:style>
+          <a:lnRef idx="2">
+            <a:schemeClr val="accent1">
+              <a:shade val="15000"/>
+            </a:schemeClr>
+          </a:lnRef>
+          <a:fillRef idx="1">
+            <a:schemeClr val="accent1"/>
+          </a:fillRef>
+          <a:effectRef idx="0">
+            <a:schemeClr val="accent1"/>
+          </a:effectRef>
+          <a:fontRef idx="minor">
+            <a:schemeClr val="lt1"/>
+          </a:fontRef>
+        </p:style>
+        <p:txBody>
+          <a:bodyPr rtlCol="0" anchor="ctr"/>
+          <a:lstStyle/>
+          <a:p>
+            <a:pPr algn="ctr"/>
+            <a:endParaRPr kumimoji="1" lang="ja-JP" altLang="en-US"/>
+          </a:p>
+        </p:txBody>
+      </p:sp>
+      <p:sp>
+        <p:nvSpPr>
+          <p:cNvPr id="17" name="三角形 16">
+            <a:extLst>
+              <a:ext uri="{FF2B5EF4-FFF2-40B4-BE49-F238E27FC236}">
+                <a16:creationId xmlns:a16="http://schemas.microsoft.com/office/drawing/2014/main" id="{74B84919-FA33-44D2-83C1-533234EC35A8}"/>
+              </a:ext>
+            </a:extLst>
+          </p:cNvPr>
+          <p:cNvSpPr>
+            <a:spLocks noChangeAspect="1"/>
+          </p:cNvSpPr>
+          <p:nvPr/>
+        </p:nvSpPr>
+        <p:spPr>
+          <a:xfrm>
+            <a:off x="1219509" y="5124400"/>
+            <a:ext cx="835200" cy="720000"/>
+          </a:xfrm>
+          <a:prstGeom prst="triangle">
+            <a:avLst/>
+          </a:prstGeom>
+          <a:pattFill prst="lgCheck">
+            <a:fgClr>
+              <a:schemeClr val="tx1"/>
+            </a:fgClr>
+            <a:bgClr>
+              <a:schemeClr val="bg1"/>
+            </a:bgClr>
+          </a:pattFill>
+          <a:ln w="76200">
+            <a:solidFill>
+              <a:srgbClr val="009E73"/>
+            </a:solidFill>
+          </a:ln>
+        </p:spPr>
+        <p:style>
+          <a:lnRef idx="2">
+            <a:schemeClr val="accent1">
+              <a:shade val="15000"/>
+            </a:schemeClr>
+          </a:lnRef>
+          <a:fillRef idx="1">
+            <a:schemeClr val="accent1"/>
+          </a:fillRef>
+          <a:effectRef idx="0">
+            <a:schemeClr val="accent1"/>
+          </a:effectRef>
+          <a:fontRef idx="minor">
+            <a:schemeClr val="lt1"/>
+          </a:fontRef>
+        </p:style>
+        <p:txBody>
+          <a:bodyPr rtlCol="0" anchor="ctr"/>
+          <a:lstStyle/>
+          <a:p>
+            <a:pPr algn="ctr"/>
+            <a:endParaRPr kumimoji="1" lang="ja-JP" altLang="en-US"/>
+          </a:p>
+        </p:txBody>
+      </p:sp>
+      <p:sp>
+        <p:nvSpPr>
+          <p:cNvPr id="18" name="正方形/長方形 17">
+            <a:extLst>
+              <a:ext uri="{FF2B5EF4-FFF2-40B4-BE49-F238E27FC236}">
+                <a16:creationId xmlns:a16="http://schemas.microsoft.com/office/drawing/2014/main" id="{9B2D5763-99B2-B9DE-53B1-CF6A495307EC}"/>
+              </a:ext>
+            </a:extLst>
+          </p:cNvPr>
+          <p:cNvSpPr>
+            <a:spLocks noChangeAspect="1"/>
+          </p:cNvSpPr>
+          <p:nvPr/>
+        </p:nvSpPr>
+        <p:spPr>
+          <a:xfrm>
+            <a:off x="2358712" y="5124400"/>
+            <a:ext cx="720000" cy="720000"/>
+          </a:xfrm>
+          <a:prstGeom prst="rect">
+            <a:avLst/>
+          </a:prstGeom>
+          <a:pattFill prst="lgCheck">
+            <a:fgClr>
+              <a:schemeClr val="tx1"/>
+            </a:fgClr>
+            <a:bgClr>
+              <a:schemeClr val="bg1"/>
+            </a:bgClr>
+          </a:pattFill>
+          <a:ln w="76200">
+            <a:solidFill>
+              <a:srgbClr val="009E73"/>
+            </a:solidFill>
+          </a:ln>
+        </p:spPr>
+        <p:style>
+          <a:lnRef idx="2">
+            <a:schemeClr val="accent1">
+              <a:shade val="15000"/>
+            </a:schemeClr>
+          </a:lnRef>
+          <a:fillRef idx="1">
+            <a:schemeClr val="accent1"/>
+          </a:fillRef>
+          <a:effectRef idx="0">
+            <a:schemeClr val="accent1"/>
+          </a:effectRef>
+          <a:fontRef idx="minor">
+            <a:schemeClr val="lt1"/>
+          </a:fontRef>
+        </p:style>
+        <p:txBody>
+          <a:bodyPr rtlCol="0" anchor="ctr"/>
+          <a:lstStyle/>
+          <a:p>
+            <a:pPr algn="ctr"/>
+            <a:endParaRPr kumimoji="1" lang="ja-JP" altLang="en-US"/>
+          </a:p>
+        </p:txBody>
+      </p:sp>
+      <p:sp>
+        <p:nvSpPr>
+          <p:cNvPr id="19" name="六角形 18">
+            <a:extLst>
+              <a:ext uri="{FF2B5EF4-FFF2-40B4-BE49-F238E27FC236}">
+                <a16:creationId xmlns:a16="http://schemas.microsoft.com/office/drawing/2014/main" id="{772258BF-D5B7-74A0-7E73-D42F2138C407}"/>
+              </a:ext>
+            </a:extLst>
+          </p:cNvPr>
+          <p:cNvSpPr>
+            <a:spLocks noChangeAspect="1"/>
+          </p:cNvSpPr>
+          <p:nvPr/>
+        </p:nvSpPr>
+        <p:spPr>
+          <a:xfrm>
+            <a:off x="3382715" y="5128438"/>
+            <a:ext cx="835200" cy="720000"/>
+          </a:xfrm>
+          <a:prstGeom prst="hexagon">
+            <a:avLst/>
+          </a:prstGeom>
+          <a:pattFill prst="lgCheck">
+            <a:fgClr>
+              <a:schemeClr val="tx1"/>
+            </a:fgClr>
+            <a:bgClr>
+              <a:schemeClr val="bg1"/>
+            </a:bgClr>
+          </a:pattFill>
+          <a:ln w="76200">
+            <a:solidFill>
+              <a:srgbClr val="009E73"/>
+            </a:solidFill>
+          </a:ln>
+        </p:spPr>
+        <p:style>
+          <a:lnRef idx="2">
+            <a:schemeClr val="accent1">
+              <a:shade val="15000"/>
+            </a:schemeClr>
+          </a:lnRef>
+          <a:fillRef idx="1">
+            <a:schemeClr val="accent1"/>
+          </a:fillRef>
+          <a:effectRef idx="0">
+            <a:schemeClr val="accent1"/>
+          </a:effectRef>
+          <a:fontRef idx="minor">
+            <a:schemeClr val="lt1"/>
+          </a:fontRef>
+        </p:style>
+        <p:txBody>
+          <a:bodyPr rtlCol="0" anchor="ctr"/>
+          <a:lstStyle/>
+          <a:p>
+            <a:pPr algn="ctr"/>
+            <a:endParaRPr kumimoji="1" lang="ja-JP" altLang="en-US"/>
+          </a:p>
+        </p:txBody>
+      </p:sp>
+      <p:sp>
+        <p:nvSpPr>
+          <p:cNvPr id="20" name="五角形 19">
+            <a:extLst>
+              <a:ext uri="{FF2B5EF4-FFF2-40B4-BE49-F238E27FC236}">
+                <a16:creationId xmlns:a16="http://schemas.microsoft.com/office/drawing/2014/main" id="{A49D4688-6C49-BE61-20E0-28210D971296}"/>
+              </a:ext>
+            </a:extLst>
+          </p:cNvPr>
+          <p:cNvSpPr>
+            <a:spLocks noChangeAspect="1"/>
+          </p:cNvSpPr>
+          <p:nvPr/>
+        </p:nvSpPr>
+        <p:spPr>
+          <a:xfrm>
+            <a:off x="4551835" y="5124400"/>
+            <a:ext cx="756000" cy="720000"/>
+          </a:xfrm>
+          <a:prstGeom prst="pentagon">
+            <a:avLst/>
+          </a:prstGeom>
+          <a:pattFill prst="lgCheck">
+            <a:fgClr>
+              <a:schemeClr val="tx1"/>
+            </a:fgClr>
+            <a:bgClr>
+              <a:schemeClr val="bg1"/>
+            </a:bgClr>
+          </a:pattFill>
+          <a:ln w="76200">
+            <a:solidFill>
+              <a:srgbClr val="009E73"/>
+            </a:solidFill>
+          </a:ln>
+        </p:spPr>
+        <p:style>
+          <a:lnRef idx="2">
+            <a:schemeClr val="accent1">
+              <a:shade val="15000"/>
+            </a:schemeClr>
+          </a:lnRef>
+          <a:fillRef idx="1">
+            <a:schemeClr val="accent1"/>
+          </a:fillRef>
+          <a:effectRef idx="0">
+            <a:schemeClr val="accent1"/>
+          </a:effectRef>
+          <a:fontRef idx="minor">
+            <a:schemeClr val="lt1"/>
+          </a:fontRef>
+        </p:style>
+        <p:txBody>
+          <a:bodyPr rtlCol="0" anchor="ctr"/>
+          <a:lstStyle/>
+          <a:p>
+            <a:pPr algn="ctr"/>
+            <a:endParaRPr kumimoji="1" lang="ja-JP" altLang="en-US"/>
+          </a:p>
+        </p:txBody>
+      </p:sp>
     </p:spTree>
     <p:extLst>
       <p:ext uri="{BB962C8B-B14F-4D97-AF65-F5344CB8AC3E}">
@@ -7547,6 +8157,311 @@
           </a:p>
         </p:txBody>
       </p:sp>
+      <p:sp>
+        <p:nvSpPr>
+          <p:cNvPr id="16" name="円/楕円 15">
+            <a:extLst>
+              <a:ext uri="{FF2B5EF4-FFF2-40B4-BE49-F238E27FC236}">
+                <a16:creationId xmlns:a16="http://schemas.microsoft.com/office/drawing/2014/main" id="{EC8EA49D-89D7-CD8E-8C44-4416C53C4CD9}"/>
+              </a:ext>
+            </a:extLst>
+          </p:cNvPr>
+          <p:cNvSpPr>
+            <a:spLocks noChangeAspect="1"/>
+          </p:cNvSpPr>
+          <p:nvPr/>
+        </p:nvSpPr>
+        <p:spPr>
+          <a:xfrm>
+            <a:off x="195506" y="5124400"/>
+            <a:ext cx="720000" cy="720000"/>
+          </a:xfrm>
+          <a:prstGeom prst="ellipse">
+            <a:avLst/>
+          </a:prstGeom>
+          <a:pattFill prst="lgCheck">
+            <a:fgClr>
+              <a:schemeClr val="tx1"/>
+            </a:fgClr>
+            <a:bgClr>
+              <a:schemeClr val="bg1"/>
+            </a:bgClr>
+          </a:pattFill>
+          <a:ln w="76200">
+            <a:solidFill>
+              <a:srgbClr val="0072B2"/>
+            </a:solidFill>
+          </a:ln>
+        </p:spPr>
+        <p:style>
+          <a:lnRef idx="2">
+            <a:schemeClr val="accent1">
+              <a:shade val="15000"/>
+            </a:schemeClr>
+          </a:lnRef>
+          <a:fillRef idx="1">
+            <a:schemeClr val="accent1"/>
+          </a:fillRef>
+          <a:effectRef idx="0">
+            <a:schemeClr val="accent1"/>
+          </a:effectRef>
+          <a:fontRef idx="minor">
+            <a:schemeClr val="lt1"/>
+          </a:fontRef>
+        </p:style>
+        <p:txBody>
+          <a:bodyPr rtlCol="0" anchor="ctr"/>
+          <a:lstStyle/>
+          <a:p>
+            <a:pPr algn="ctr"/>
+            <a:endParaRPr kumimoji="1" lang="ja-JP" altLang="en-US"/>
+          </a:p>
+        </p:txBody>
+      </p:sp>
+      <p:sp>
+        <p:nvSpPr>
+          <p:cNvPr id="17" name="三角形 16">
+            <a:extLst>
+              <a:ext uri="{FF2B5EF4-FFF2-40B4-BE49-F238E27FC236}">
+                <a16:creationId xmlns:a16="http://schemas.microsoft.com/office/drawing/2014/main" id="{BC7B50F7-BF4F-CE29-85C4-6317673A81B5}"/>
+              </a:ext>
+            </a:extLst>
+          </p:cNvPr>
+          <p:cNvSpPr>
+            <a:spLocks noChangeAspect="1"/>
+          </p:cNvSpPr>
+          <p:nvPr/>
+        </p:nvSpPr>
+        <p:spPr>
+          <a:xfrm>
+            <a:off x="1219509" y="5124400"/>
+            <a:ext cx="835200" cy="720000"/>
+          </a:xfrm>
+          <a:prstGeom prst="triangle">
+            <a:avLst/>
+          </a:prstGeom>
+          <a:pattFill prst="lgCheck">
+            <a:fgClr>
+              <a:schemeClr val="tx1"/>
+            </a:fgClr>
+            <a:bgClr>
+              <a:schemeClr val="bg1"/>
+            </a:bgClr>
+          </a:pattFill>
+          <a:ln w="76200">
+            <a:solidFill>
+              <a:srgbClr val="0072B2"/>
+            </a:solidFill>
+          </a:ln>
+        </p:spPr>
+        <p:style>
+          <a:lnRef idx="2">
+            <a:schemeClr val="accent1">
+              <a:shade val="15000"/>
+            </a:schemeClr>
+          </a:lnRef>
+          <a:fillRef idx="1">
+            <a:schemeClr val="accent1"/>
+          </a:fillRef>
+          <a:effectRef idx="0">
+            <a:schemeClr val="accent1"/>
+          </a:effectRef>
+          <a:fontRef idx="minor">
+            <a:schemeClr val="lt1"/>
+          </a:fontRef>
+        </p:style>
+        <p:txBody>
+          <a:bodyPr rtlCol="0" anchor="ctr"/>
+          <a:lstStyle/>
+          <a:p>
+            <a:pPr algn="ctr"/>
+            <a:endParaRPr kumimoji="1" lang="ja-JP" altLang="en-US"/>
+          </a:p>
+        </p:txBody>
+      </p:sp>
+      <p:sp>
+        <p:nvSpPr>
+          <p:cNvPr id="18" name="正方形/長方形 17">
+            <a:extLst>
+              <a:ext uri="{FF2B5EF4-FFF2-40B4-BE49-F238E27FC236}">
+                <a16:creationId xmlns:a16="http://schemas.microsoft.com/office/drawing/2014/main" id="{B70E9D16-1CC8-B207-B866-201128E4AF07}"/>
+              </a:ext>
+            </a:extLst>
+          </p:cNvPr>
+          <p:cNvSpPr>
+            <a:spLocks noChangeAspect="1"/>
+          </p:cNvSpPr>
+          <p:nvPr/>
+        </p:nvSpPr>
+        <p:spPr>
+          <a:xfrm>
+            <a:off x="2358712" y="5124400"/>
+            <a:ext cx="720000" cy="720000"/>
+          </a:xfrm>
+          <a:prstGeom prst="rect">
+            <a:avLst/>
+          </a:prstGeom>
+          <a:pattFill prst="lgCheck">
+            <a:fgClr>
+              <a:schemeClr val="tx1"/>
+            </a:fgClr>
+            <a:bgClr>
+              <a:schemeClr val="bg1"/>
+            </a:bgClr>
+          </a:pattFill>
+          <a:ln w="76200">
+            <a:solidFill>
+              <a:srgbClr val="0072B2"/>
+            </a:solidFill>
+          </a:ln>
+        </p:spPr>
+        <p:style>
+          <a:lnRef idx="2">
+            <a:schemeClr val="accent1">
+              <a:shade val="15000"/>
+            </a:schemeClr>
+          </a:lnRef>
+          <a:fillRef idx="1">
+            <a:schemeClr val="accent1"/>
+          </a:fillRef>
+          <a:effectRef idx="0">
+            <a:schemeClr val="accent1"/>
+          </a:effectRef>
+          <a:fontRef idx="minor">
+            <a:schemeClr val="lt1"/>
+          </a:fontRef>
+        </p:style>
+        <p:txBody>
+          <a:bodyPr rtlCol="0" anchor="ctr"/>
+          <a:lstStyle/>
+          <a:p>
+            <a:pPr algn="ctr"/>
+            <a:endParaRPr kumimoji="1" lang="ja-JP" altLang="en-US"/>
+          </a:p>
+        </p:txBody>
+      </p:sp>
+      <p:sp>
+        <p:nvSpPr>
+          <p:cNvPr id="19" name="六角形 18">
+            <a:extLst>
+              <a:ext uri="{FF2B5EF4-FFF2-40B4-BE49-F238E27FC236}">
+                <a16:creationId xmlns:a16="http://schemas.microsoft.com/office/drawing/2014/main" id="{FAC014F7-7577-60B9-AE9F-8D1581558871}"/>
+              </a:ext>
+            </a:extLst>
+          </p:cNvPr>
+          <p:cNvSpPr>
+            <a:spLocks noChangeAspect="1"/>
+          </p:cNvSpPr>
+          <p:nvPr/>
+        </p:nvSpPr>
+        <p:spPr>
+          <a:xfrm>
+            <a:off x="3382715" y="5128438"/>
+            <a:ext cx="835200" cy="720000"/>
+          </a:xfrm>
+          <a:prstGeom prst="hexagon">
+            <a:avLst/>
+          </a:prstGeom>
+          <a:pattFill prst="lgCheck">
+            <a:fgClr>
+              <a:schemeClr val="tx1"/>
+            </a:fgClr>
+            <a:bgClr>
+              <a:schemeClr val="bg1"/>
+            </a:bgClr>
+          </a:pattFill>
+          <a:ln w="76200">
+            <a:solidFill>
+              <a:srgbClr val="0072B2"/>
+            </a:solidFill>
+          </a:ln>
+        </p:spPr>
+        <p:style>
+          <a:lnRef idx="2">
+            <a:schemeClr val="accent1">
+              <a:shade val="15000"/>
+            </a:schemeClr>
+          </a:lnRef>
+          <a:fillRef idx="1">
+            <a:schemeClr val="accent1"/>
+          </a:fillRef>
+          <a:effectRef idx="0">
+            <a:schemeClr val="accent1"/>
+          </a:effectRef>
+          <a:fontRef idx="minor">
+            <a:schemeClr val="lt1"/>
+          </a:fontRef>
+        </p:style>
+        <p:txBody>
+          <a:bodyPr rtlCol="0" anchor="ctr"/>
+          <a:lstStyle/>
+          <a:p>
+            <a:pPr algn="ctr"/>
+            <a:endParaRPr kumimoji="1" lang="ja-JP" altLang="en-US"/>
+          </a:p>
+        </p:txBody>
+      </p:sp>
+      <p:sp>
+        <p:nvSpPr>
+          <p:cNvPr id="20" name="五角形 19">
+            <a:extLst>
+              <a:ext uri="{FF2B5EF4-FFF2-40B4-BE49-F238E27FC236}">
+                <a16:creationId xmlns:a16="http://schemas.microsoft.com/office/drawing/2014/main" id="{A26AD5DB-9E43-8E29-8A88-AE14674E5BD3}"/>
+              </a:ext>
+            </a:extLst>
+          </p:cNvPr>
+          <p:cNvSpPr>
+            <a:spLocks noChangeAspect="1"/>
+          </p:cNvSpPr>
+          <p:nvPr/>
+        </p:nvSpPr>
+        <p:spPr>
+          <a:xfrm>
+            <a:off x="4551835" y="5124400"/>
+            <a:ext cx="756000" cy="720000"/>
+          </a:xfrm>
+          <a:prstGeom prst="pentagon">
+            <a:avLst/>
+          </a:prstGeom>
+          <a:pattFill prst="lgCheck">
+            <a:fgClr>
+              <a:schemeClr val="tx1"/>
+            </a:fgClr>
+            <a:bgClr>
+              <a:schemeClr val="bg1"/>
+            </a:bgClr>
+          </a:pattFill>
+          <a:ln w="76200">
+            <a:solidFill>
+              <a:srgbClr val="0072B2"/>
+            </a:solidFill>
+          </a:ln>
+        </p:spPr>
+        <p:style>
+          <a:lnRef idx="2">
+            <a:schemeClr val="accent1">
+              <a:shade val="15000"/>
+            </a:schemeClr>
+          </a:lnRef>
+          <a:fillRef idx="1">
+            <a:schemeClr val="accent1"/>
+          </a:fillRef>
+          <a:effectRef idx="0">
+            <a:schemeClr val="accent1"/>
+          </a:effectRef>
+          <a:fontRef idx="minor">
+            <a:schemeClr val="lt1"/>
+          </a:fontRef>
+        </p:style>
+        <p:txBody>
+          <a:bodyPr rtlCol="0" anchor="ctr"/>
+          <a:lstStyle/>
+          <a:p>
+            <a:pPr algn="ctr"/>
+            <a:endParaRPr kumimoji="1" lang="ja-JP" altLang="en-US"/>
+          </a:p>
+        </p:txBody>
+      </p:sp>
     </p:spTree>
     <p:extLst>
       <p:ext uri="{BB962C8B-B14F-4D97-AF65-F5344CB8AC3E}">
@@ -8839,6 +9754,311 @@
             <a:avLst/>
           </a:prstGeom>
           <a:pattFill prst="weave">
+            <a:fgClr>
+              <a:schemeClr val="tx1"/>
+            </a:fgClr>
+            <a:bgClr>
+              <a:schemeClr val="bg1"/>
+            </a:bgClr>
+          </a:pattFill>
+          <a:ln w="76200">
+            <a:solidFill>
+              <a:srgbClr val="CC79A7"/>
+            </a:solidFill>
+          </a:ln>
+        </p:spPr>
+        <p:style>
+          <a:lnRef idx="2">
+            <a:schemeClr val="accent1">
+              <a:shade val="15000"/>
+            </a:schemeClr>
+          </a:lnRef>
+          <a:fillRef idx="1">
+            <a:schemeClr val="accent1"/>
+          </a:fillRef>
+          <a:effectRef idx="0">
+            <a:schemeClr val="accent1"/>
+          </a:effectRef>
+          <a:fontRef idx="minor">
+            <a:schemeClr val="lt1"/>
+          </a:fontRef>
+        </p:style>
+        <p:txBody>
+          <a:bodyPr rtlCol="0" anchor="ctr"/>
+          <a:lstStyle/>
+          <a:p>
+            <a:pPr algn="ctr"/>
+            <a:endParaRPr kumimoji="1" lang="ja-JP" altLang="en-US"/>
+          </a:p>
+        </p:txBody>
+      </p:sp>
+      <p:sp>
+        <p:nvSpPr>
+          <p:cNvPr id="16" name="円/楕円 15">
+            <a:extLst>
+              <a:ext uri="{FF2B5EF4-FFF2-40B4-BE49-F238E27FC236}">
+                <a16:creationId xmlns:a16="http://schemas.microsoft.com/office/drawing/2014/main" id="{03A64529-0B07-66C1-CF98-69CCE7DD8C1A}"/>
+              </a:ext>
+            </a:extLst>
+          </p:cNvPr>
+          <p:cNvSpPr>
+            <a:spLocks noChangeAspect="1"/>
+          </p:cNvSpPr>
+          <p:nvPr/>
+        </p:nvSpPr>
+        <p:spPr>
+          <a:xfrm>
+            <a:off x="195506" y="5124400"/>
+            <a:ext cx="720000" cy="720000"/>
+          </a:xfrm>
+          <a:prstGeom prst="ellipse">
+            <a:avLst/>
+          </a:prstGeom>
+          <a:pattFill prst="lgCheck">
+            <a:fgClr>
+              <a:schemeClr val="tx1"/>
+            </a:fgClr>
+            <a:bgClr>
+              <a:schemeClr val="bg1"/>
+            </a:bgClr>
+          </a:pattFill>
+          <a:ln w="76200">
+            <a:solidFill>
+              <a:srgbClr val="CC79A7"/>
+            </a:solidFill>
+          </a:ln>
+        </p:spPr>
+        <p:style>
+          <a:lnRef idx="2">
+            <a:schemeClr val="accent1">
+              <a:shade val="15000"/>
+            </a:schemeClr>
+          </a:lnRef>
+          <a:fillRef idx="1">
+            <a:schemeClr val="accent1"/>
+          </a:fillRef>
+          <a:effectRef idx="0">
+            <a:schemeClr val="accent1"/>
+          </a:effectRef>
+          <a:fontRef idx="minor">
+            <a:schemeClr val="lt1"/>
+          </a:fontRef>
+        </p:style>
+        <p:txBody>
+          <a:bodyPr rtlCol="0" anchor="ctr"/>
+          <a:lstStyle/>
+          <a:p>
+            <a:pPr algn="ctr"/>
+            <a:endParaRPr kumimoji="1" lang="ja-JP" altLang="en-US"/>
+          </a:p>
+        </p:txBody>
+      </p:sp>
+      <p:sp>
+        <p:nvSpPr>
+          <p:cNvPr id="17" name="三角形 16">
+            <a:extLst>
+              <a:ext uri="{FF2B5EF4-FFF2-40B4-BE49-F238E27FC236}">
+                <a16:creationId xmlns:a16="http://schemas.microsoft.com/office/drawing/2014/main" id="{37C316D0-5F01-443C-14D5-D5E102A15B2A}"/>
+              </a:ext>
+            </a:extLst>
+          </p:cNvPr>
+          <p:cNvSpPr>
+            <a:spLocks noChangeAspect="1"/>
+          </p:cNvSpPr>
+          <p:nvPr/>
+        </p:nvSpPr>
+        <p:spPr>
+          <a:xfrm>
+            <a:off x="1219509" y="5124400"/>
+            <a:ext cx="835200" cy="720000"/>
+          </a:xfrm>
+          <a:prstGeom prst="triangle">
+            <a:avLst/>
+          </a:prstGeom>
+          <a:pattFill prst="lgCheck">
+            <a:fgClr>
+              <a:schemeClr val="tx1"/>
+            </a:fgClr>
+            <a:bgClr>
+              <a:schemeClr val="bg1"/>
+            </a:bgClr>
+          </a:pattFill>
+          <a:ln w="76200">
+            <a:solidFill>
+              <a:srgbClr val="CC79A7"/>
+            </a:solidFill>
+          </a:ln>
+        </p:spPr>
+        <p:style>
+          <a:lnRef idx="2">
+            <a:schemeClr val="accent1">
+              <a:shade val="15000"/>
+            </a:schemeClr>
+          </a:lnRef>
+          <a:fillRef idx="1">
+            <a:schemeClr val="accent1"/>
+          </a:fillRef>
+          <a:effectRef idx="0">
+            <a:schemeClr val="accent1"/>
+          </a:effectRef>
+          <a:fontRef idx="minor">
+            <a:schemeClr val="lt1"/>
+          </a:fontRef>
+        </p:style>
+        <p:txBody>
+          <a:bodyPr rtlCol="0" anchor="ctr"/>
+          <a:lstStyle/>
+          <a:p>
+            <a:pPr algn="ctr"/>
+            <a:endParaRPr kumimoji="1" lang="ja-JP" altLang="en-US"/>
+          </a:p>
+        </p:txBody>
+      </p:sp>
+      <p:sp>
+        <p:nvSpPr>
+          <p:cNvPr id="18" name="正方形/長方形 17">
+            <a:extLst>
+              <a:ext uri="{FF2B5EF4-FFF2-40B4-BE49-F238E27FC236}">
+                <a16:creationId xmlns:a16="http://schemas.microsoft.com/office/drawing/2014/main" id="{1C90FC3C-B048-55F4-AB3D-6032B881CA64}"/>
+              </a:ext>
+            </a:extLst>
+          </p:cNvPr>
+          <p:cNvSpPr>
+            <a:spLocks noChangeAspect="1"/>
+          </p:cNvSpPr>
+          <p:nvPr/>
+        </p:nvSpPr>
+        <p:spPr>
+          <a:xfrm>
+            <a:off x="2358712" y="5124400"/>
+            <a:ext cx="720000" cy="720000"/>
+          </a:xfrm>
+          <a:prstGeom prst="rect">
+            <a:avLst/>
+          </a:prstGeom>
+          <a:pattFill prst="lgCheck">
+            <a:fgClr>
+              <a:schemeClr val="tx1"/>
+            </a:fgClr>
+            <a:bgClr>
+              <a:schemeClr val="bg1"/>
+            </a:bgClr>
+          </a:pattFill>
+          <a:ln w="76200">
+            <a:solidFill>
+              <a:srgbClr val="CC79A7"/>
+            </a:solidFill>
+          </a:ln>
+        </p:spPr>
+        <p:style>
+          <a:lnRef idx="2">
+            <a:schemeClr val="accent1">
+              <a:shade val="15000"/>
+            </a:schemeClr>
+          </a:lnRef>
+          <a:fillRef idx="1">
+            <a:schemeClr val="accent1"/>
+          </a:fillRef>
+          <a:effectRef idx="0">
+            <a:schemeClr val="accent1"/>
+          </a:effectRef>
+          <a:fontRef idx="minor">
+            <a:schemeClr val="lt1"/>
+          </a:fontRef>
+        </p:style>
+        <p:txBody>
+          <a:bodyPr rtlCol="0" anchor="ctr"/>
+          <a:lstStyle/>
+          <a:p>
+            <a:pPr algn="ctr"/>
+            <a:endParaRPr kumimoji="1" lang="ja-JP" altLang="en-US"/>
+          </a:p>
+        </p:txBody>
+      </p:sp>
+      <p:sp>
+        <p:nvSpPr>
+          <p:cNvPr id="19" name="六角形 18">
+            <a:extLst>
+              <a:ext uri="{FF2B5EF4-FFF2-40B4-BE49-F238E27FC236}">
+                <a16:creationId xmlns:a16="http://schemas.microsoft.com/office/drawing/2014/main" id="{32049D9A-03E5-92FD-5D90-E0A526D2017F}"/>
+              </a:ext>
+            </a:extLst>
+          </p:cNvPr>
+          <p:cNvSpPr>
+            <a:spLocks noChangeAspect="1"/>
+          </p:cNvSpPr>
+          <p:nvPr/>
+        </p:nvSpPr>
+        <p:spPr>
+          <a:xfrm>
+            <a:off x="3382715" y="5128438"/>
+            <a:ext cx="835200" cy="720000"/>
+          </a:xfrm>
+          <a:prstGeom prst="hexagon">
+            <a:avLst/>
+          </a:prstGeom>
+          <a:pattFill prst="lgCheck">
+            <a:fgClr>
+              <a:schemeClr val="tx1"/>
+            </a:fgClr>
+            <a:bgClr>
+              <a:schemeClr val="bg1"/>
+            </a:bgClr>
+          </a:pattFill>
+          <a:ln w="76200">
+            <a:solidFill>
+              <a:srgbClr val="CC79A7"/>
+            </a:solidFill>
+          </a:ln>
+        </p:spPr>
+        <p:style>
+          <a:lnRef idx="2">
+            <a:schemeClr val="accent1">
+              <a:shade val="15000"/>
+            </a:schemeClr>
+          </a:lnRef>
+          <a:fillRef idx="1">
+            <a:schemeClr val="accent1"/>
+          </a:fillRef>
+          <a:effectRef idx="0">
+            <a:schemeClr val="accent1"/>
+          </a:effectRef>
+          <a:fontRef idx="minor">
+            <a:schemeClr val="lt1"/>
+          </a:fontRef>
+        </p:style>
+        <p:txBody>
+          <a:bodyPr rtlCol="0" anchor="ctr"/>
+          <a:lstStyle/>
+          <a:p>
+            <a:pPr algn="ctr"/>
+            <a:endParaRPr kumimoji="1" lang="ja-JP" altLang="en-US"/>
+          </a:p>
+        </p:txBody>
+      </p:sp>
+      <p:sp>
+        <p:nvSpPr>
+          <p:cNvPr id="20" name="五角形 19">
+            <a:extLst>
+              <a:ext uri="{FF2B5EF4-FFF2-40B4-BE49-F238E27FC236}">
+                <a16:creationId xmlns:a16="http://schemas.microsoft.com/office/drawing/2014/main" id="{972373BB-EB28-03CE-0296-96E283D9E168}"/>
+              </a:ext>
+            </a:extLst>
+          </p:cNvPr>
+          <p:cNvSpPr>
+            <a:spLocks noChangeAspect="1"/>
+          </p:cNvSpPr>
+          <p:nvPr/>
+        </p:nvSpPr>
+        <p:spPr>
+          <a:xfrm>
+            <a:off x="4551835" y="5124400"/>
+            <a:ext cx="756000" cy="720000"/>
+          </a:xfrm>
+          <a:prstGeom prst="pentagon">
+            <a:avLst/>
+          </a:prstGeom>
+          <a:pattFill prst="lgCheck">
             <a:fgClr>
               <a:schemeClr val="tx1"/>
             </a:fgClr>
